--- a/Slides/14. Ponteiros.pptx
+++ b/Slides/14. Ponteiros.pptx
@@ -168,16 +168,13 @@
 <file path=ppt/revisionInfo.xml><?xml version="1.0" encoding="utf-8"?>
 <p1510:revInfo xmlns:a="http://schemas.openxmlformats.org/drawingml/2006/main" xmlns:r="http://schemas.openxmlformats.org/officeDocument/2006/relationships" xmlns:p1510="http://schemas.microsoft.com/office/powerpoint/2015/10/main">
   <p1510:revLst>
-    <p1510:client id="{2873E502-11C7-48DD-A47E-3602B9C167AA}" v="7" dt="2019-11-08T13:45:36.220"/>
+    <p1510:client id="{17CAC211-E4CE-43F0-99B1-E91E703A7D5C}" v="11" dt="2021-04-17T01:22:21.368"/>
   </p1510:revLst>
 </p1510:revInfo>
 </file>
 
 <file path=ppt/changesInfos/changesInfo1.xml><?xml version="1.0" encoding="utf-8"?>
 <pc:chgInfo xmlns:a="http://schemas.openxmlformats.org/drawingml/2006/main" xmlns:r="http://schemas.openxmlformats.org/officeDocument/2006/relationships" xmlns:ac="http://schemas.microsoft.com/office/drawing/2013/main/command" xmlns:pc="http://schemas.microsoft.com/office/powerpoint/2013/main/command">
-  <pc:docChgLst>
-    <pc:chgData name="Judson Santiago" userId="ebb108da2f256286" providerId="LiveId" clId="{70CA5101-D74D-4E9B-822B-744B22F1DCF4}"/>
-  </pc:docChgLst>
   <pc:docChgLst>
     <pc:chgData name="Judson Santiago" userId="ebb108da2f256286" providerId="LiveId" clId="{C1CC26D2-674A-4859-B582-A3BC06C69EDD}"/>
     <pc:docChg chg="undo redo custSel addSld delSld modSld">
@@ -3644,6 +3641,215 @@
       </pc:sldChg>
     </pc:docChg>
   </pc:docChgLst>
+  <pc:docChgLst>
+    <pc:chgData name="Judson Santiago" userId="ebb108da2f256286" providerId="LiveId" clId="{17CAC211-E4CE-43F0-99B1-E91E703A7D5C}"/>
+    <pc:docChg chg="custSel modSld modMainMaster">
+      <pc:chgData name="Judson Santiago" userId="ebb108da2f256286" providerId="LiveId" clId="{17CAC211-E4CE-43F0-99B1-E91E703A7D5C}" dt="2021-04-17T01:22:38.427" v="138" actId="20577"/>
+      <pc:docMkLst>
+        <pc:docMk/>
+      </pc:docMkLst>
+      <pc:sldChg chg="addSp modSp mod">
+        <pc:chgData name="Judson Santiago" userId="ebb108da2f256286" providerId="LiveId" clId="{17CAC211-E4CE-43F0-99B1-E91E703A7D5C}" dt="2021-04-17T01:18:47.413" v="104" actId="20577"/>
+        <pc:sldMkLst>
+          <pc:docMk/>
+          <pc:sldMk cId="0" sldId="262"/>
+        </pc:sldMkLst>
+        <pc:spChg chg="add mod">
+          <ac:chgData name="Judson Santiago" userId="ebb108da2f256286" providerId="LiveId" clId="{17CAC211-E4CE-43F0-99B1-E91E703A7D5C}" dt="2021-04-17T01:18:47.413" v="104" actId="20577"/>
+          <ac:spMkLst>
+            <pc:docMk/>
+            <pc:sldMk cId="0" sldId="262"/>
+            <ac:spMk id="5" creationId="{0395F3C7-4F6F-4494-BB87-963961241AE5}"/>
+          </ac:spMkLst>
+        </pc:spChg>
+      </pc:sldChg>
+      <pc:sldChg chg="addSp modSp mod">
+        <pc:chgData name="Judson Santiago" userId="ebb108da2f256286" providerId="LiveId" clId="{17CAC211-E4CE-43F0-99B1-E91E703A7D5C}" dt="2021-04-17T01:20:15.307" v="114" actId="20577"/>
+        <pc:sldMkLst>
+          <pc:docMk/>
+          <pc:sldMk cId="0" sldId="265"/>
+        </pc:sldMkLst>
+        <pc:spChg chg="add mod">
+          <ac:chgData name="Judson Santiago" userId="ebb108da2f256286" providerId="LiveId" clId="{17CAC211-E4CE-43F0-99B1-E91E703A7D5C}" dt="2021-04-17T01:20:15.307" v="114" actId="20577"/>
+          <ac:spMkLst>
+            <pc:docMk/>
+            <pc:sldMk cId="0" sldId="265"/>
+            <ac:spMk id="5" creationId="{66AC8044-CDF0-4893-AC73-C99B0D05D728}"/>
+          </ac:spMkLst>
+        </pc:spChg>
+      </pc:sldChg>
+      <pc:sldChg chg="addSp delSp modSp mod">
+        <pc:chgData name="Judson Santiago" userId="ebb108da2f256286" providerId="LiveId" clId="{17CAC211-E4CE-43F0-99B1-E91E703A7D5C}" dt="2021-04-17T01:16:23.749" v="95" actId="12789"/>
+        <pc:sldMkLst>
+          <pc:docMk/>
+          <pc:sldMk cId="1824548638" sldId="304"/>
+        </pc:sldMkLst>
+        <pc:spChg chg="ord">
+          <ac:chgData name="Judson Santiago" userId="ebb108da2f256286" providerId="LiveId" clId="{17CAC211-E4CE-43F0-99B1-E91E703A7D5C}" dt="2021-04-17T01:12:38.721" v="70" actId="167"/>
+          <ac:spMkLst>
+            <pc:docMk/>
+            <pc:sldMk cId="1824548638" sldId="304"/>
+            <ac:spMk id="3" creationId="{00000000-0000-0000-0000-000000000000}"/>
+          </ac:spMkLst>
+        </pc:spChg>
+        <pc:spChg chg="mod ord">
+          <ac:chgData name="Judson Santiago" userId="ebb108da2f256286" providerId="LiveId" clId="{17CAC211-E4CE-43F0-99B1-E91E703A7D5C}" dt="2021-04-17T01:12:43.881" v="71" actId="167"/>
+          <ac:spMkLst>
+            <pc:docMk/>
+            <pc:sldMk cId="1824548638" sldId="304"/>
+            <ac:spMk id="4" creationId="{00000000-0000-0000-0000-000000000000}"/>
+          </ac:spMkLst>
+        </pc:spChg>
+        <pc:spChg chg="add mod">
+          <ac:chgData name="Judson Santiago" userId="ebb108da2f256286" providerId="LiveId" clId="{17CAC211-E4CE-43F0-99B1-E91E703A7D5C}" dt="2021-04-17T01:16:23.749" v="95" actId="12789"/>
+          <ac:spMkLst>
+            <pc:docMk/>
+            <pc:sldMk cId="1824548638" sldId="304"/>
+            <ac:spMk id="6" creationId="{29806649-C9FE-420E-ACDD-F2E9483F3FD7}"/>
+          </ac:spMkLst>
+        </pc:spChg>
+        <pc:spChg chg="mod ord">
+          <ac:chgData name="Judson Santiago" userId="ebb108da2f256286" providerId="LiveId" clId="{17CAC211-E4CE-43F0-99B1-E91E703A7D5C}" dt="2021-04-17T01:15:26.117" v="89" actId="208"/>
+          <ac:spMkLst>
+            <pc:docMk/>
+            <pc:sldMk cId="1824548638" sldId="304"/>
+            <ac:spMk id="21" creationId="{00000000-0000-0000-0000-000000000000}"/>
+          </ac:spMkLst>
+        </pc:spChg>
+        <pc:spChg chg="mod ord">
+          <ac:chgData name="Judson Santiago" userId="ebb108da2f256286" providerId="LiveId" clId="{17CAC211-E4CE-43F0-99B1-E91E703A7D5C}" dt="2021-04-17T01:15:26.117" v="89" actId="208"/>
+          <ac:spMkLst>
+            <pc:docMk/>
+            <pc:sldMk cId="1824548638" sldId="304"/>
+            <ac:spMk id="28" creationId="{00000000-0000-0000-0000-000000000000}"/>
+          </ac:spMkLst>
+        </pc:spChg>
+        <pc:spChg chg="mod">
+          <ac:chgData name="Judson Santiago" userId="ebb108da2f256286" providerId="LiveId" clId="{17CAC211-E4CE-43F0-99B1-E91E703A7D5C}" dt="2021-04-17T01:16:23.749" v="95" actId="12789"/>
+          <ac:spMkLst>
+            <pc:docMk/>
+            <pc:sldMk cId="1824548638" sldId="304"/>
+            <ac:spMk id="35" creationId="{00000000-0000-0000-0000-000000000000}"/>
+          </ac:spMkLst>
+        </pc:spChg>
+        <pc:cxnChg chg="del">
+          <ac:chgData name="Judson Santiago" userId="ebb108da2f256286" providerId="LiveId" clId="{17CAC211-E4CE-43F0-99B1-E91E703A7D5C}" dt="2021-04-17T00:53:52.605" v="14" actId="478"/>
+          <ac:cxnSpMkLst>
+            <pc:docMk/>
+            <pc:sldMk cId="1824548638" sldId="304"/>
+            <ac:cxnSpMk id="31" creationId="{00000000-0000-0000-0000-000000000000}"/>
+          </ac:cxnSpMkLst>
+        </pc:cxnChg>
+      </pc:sldChg>
+      <pc:sldChg chg="modSp mod">
+        <pc:chgData name="Judson Santiago" userId="ebb108da2f256286" providerId="LiveId" clId="{17CAC211-E4CE-43F0-99B1-E91E703A7D5C}" dt="2021-04-17T00:51:22.452" v="10" actId="14100"/>
+        <pc:sldMkLst>
+          <pc:docMk/>
+          <pc:sldMk cId="2515218308" sldId="312"/>
+        </pc:sldMkLst>
+        <pc:cxnChg chg="mod">
+          <ac:chgData name="Judson Santiago" userId="ebb108da2f256286" providerId="LiveId" clId="{17CAC211-E4CE-43F0-99B1-E91E703A7D5C}" dt="2021-04-17T00:51:22.452" v="10" actId="14100"/>
+          <ac:cxnSpMkLst>
+            <pc:docMk/>
+            <pc:sldMk cId="2515218308" sldId="312"/>
+            <ac:cxnSpMk id="19" creationId="{00000000-0000-0000-0000-000000000000}"/>
+          </ac:cxnSpMkLst>
+        </pc:cxnChg>
+        <pc:cxnChg chg="mod">
+          <ac:chgData name="Judson Santiago" userId="ebb108da2f256286" providerId="LiveId" clId="{17CAC211-E4CE-43F0-99B1-E91E703A7D5C}" dt="2021-04-17T00:51:04.881" v="8" actId="14100"/>
+          <ac:cxnSpMkLst>
+            <pc:docMk/>
+            <pc:sldMk cId="2515218308" sldId="312"/>
+            <ac:cxnSpMk id="20" creationId="{00000000-0000-0000-0000-000000000000}"/>
+          </ac:cxnSpMkLst>
+        </pc:cxnChg>
+      </pc:sldChg>
+      <pc:sldChg chg="modSp mod">
+        <pc:chgData name="Judson Santiago" userId="ebb108da2f256286" providerId="LiveId" clId="{17CAC211-E4CE-43F0-99B1-E91E703A7D5C}" dt="2021-04-17T00:56:09.865" v="24" actId="6549"/>
+        <pc:sldMkLst>
+          <pc:docMk/>
+          <pc:sldMk cId="1697244109" sldId="313"/>
+        </pc:sldMkLst>
+        <pc:spChg chg="mod">
+          <ac:chgData name="Judson Santiago" userId="ebb108da2f256286" providerId="LiveId" clId="{17CAC211-E4CE-43F0-99B1-E91E703A7D5C}" dt="2021-04-17T00:56:09.865" v="24" actId="6549"/>
+          <ac:spMkLst>
+            <pc:docMk/>
+            <pc:sldMk cId="1697244109" sldId="313"/>
+            <ac:spMk id="3" creationId="{00000000-0000-0000-0000-000000000000}"/>
+          </ac:spMkLst>
+        </pc:spChg>
+      </pc:sldChg>
+      <pc:sldChg chg="modSp mod">
+        <pc:chgData name="Judson Santiago" userId="ebb108da2f256286" providerId="LiveId" clId="{17CAC211-E4CE-43F0-99B1-E91E703A7D5C}" dt="2021-04-17T01:02:47.556" v="25" actId="20577"/>
+        <pc:sldMkLst>
+          <pc:docMk/>
+          <pc:sldMk cId="3673007569" sldId="316"/>
+        </pc:sldMkLst>
+        <pc:spChg chg="mod">
+          <ac:chgData name="Judson Santiago" userId="ebb108da2f256286" providerId="LiveId" clId="{17CAC211-E4CE-43F0-99B1-E91E703A7D5C}" dt="2021-04-17T01:02:47.556" v="25" actId="20577"/>
+          <ac:spMkLst>
+            <pc:docMk/>
+            <pc:sldMk cId="3673007569" sldId="316"/>
+            <ac:spMk id="3" creationId="{00000000-0000-0000-0000-000000000000}"/>
+          </ac:spMkLst>
+        </pc:spChg>
+      </pc:sldChg>
+      <pc:sldChg chg="addSp modSp mod">
+        <pc:chgData name="Judson Santiago" userId="ebb108da2f256286" providerId="LiveId" clId="{17CAC211-E4CE-43F0-99B1-E91E703A7D5C}" dt="2021-04-17T01:20:39.012" v="122" actId="20577"/>
+        <pc:sldMkLst>
+          <pc:docMk/>
+          <pc:sldMk cId="2061914729" sldId="317"/>
+        </pc:sldMkLst>
+        <pc:spChg chg="add mod">
+          <ac:chgData name="Judson Santiago" userId="ebb108da2f256286" providerId="LiveId" clId="{17CAC211-E4CE-43F0-99B1-E91E703A7D5C}" dt="2021-04-17T01:20:39.012" v="122" actId="20577"/>
+          <ac:spMkLst>
+            <pc:docMk/>
+            <pc:sldMk cId="2061914729" sldId="317"/>
+            <ac:spMk id="5" creationId="{9F14CA33-906E-4418-A050-C8BA3F3F3913}"/>
+          </ac:spMkLst>
+        </pc:spChg>
+      </pc:sldChg>
+      <pc:sldChg chg="addSp modSp mod">
+        <pc:chgData name="Judson Santiago" userId="ebb108da2f256286" providerId="LiveId" clId="{17CAC211-E4CE-43F0-99B1-E91E703A7D5C}" dt="2021-04-17T01:22:38.427" v="138" actId="20577"/>
+        <pc:sldMkLst>
+          <pc:docMk/>
+          <pc:sldMk cId="4214389195" sldId="321"/>
+        </pc:sldMkLst>
+        <pc:spChg chg="add mod">
+          <ac:chgData name="Judson Santiago" userId="ebb108da2f256286" providerId="LiveId" clId="{17CAC211-E4CE-43F0-99B1-E91E703A7D5C}" dt="2021-04-17T01:22:38.427" v="138" actId="20577"/>
+          <ac:spMkLst>
+            <pc:docMk/>
+            <pc:sldMk cId="4214389195" sldId="321"/>
+            <ac:spMk id="4" creationId="{D7CA75D0-2DBE-413D-BB71-FE1A88B15CE4}"/>
+          </ac:spMkLst>
+        </pc:spChg>
+      </pc:sldChg>
+      <pc:sldMasterChg chg="setBg modSldLayout">
+        <pc:chgData name="Judson Santiago" userId="ebb108da2f256286" providerId="LiveId" clId="{17CAC211-E4CE-43F0-99B1-E91E703A7D5C}" dt="2021-04-17T00:45:22.681" v="4" actId="167"/>
+        <pc:sldMasterMkLst>
+          <pc:docMk/>
+          <pc:sldMasterMk cId="0" sldId="2147483660"/>
+        </pc:sldMasterMkLst>
+        <pc:sldLayoutChg chg="addSp modSp mod">
+          <pc:chgData name="Judson Santiago" userId="ebb108da2f256286" providerId="LiveId" clId="{17CAC211-E4CE-43F0-99B1-E91E703A7D5C}" dt="2021-04-17T00:45:22.681" v="4" actId="167"/>
+          <pc:sldLayoutMkLst>
+            <pc:docMk/>
+            <pc:sldMasterMk cId="0" sldId="2147483660"/>
+            <pc:sldLayoutMk cId="0" sldId="2147483661"/>
+          </pc:sldLayoutMkLst>
+          <pc:picChg chg="add mod ord">
+            <ac:chgData name="Judson Santiago" userId="ebb108da2f256286" providerId="LiveId" clId="{17CAC211-E4CE-43F0-99B1-E91E703A7D5C}" dt="2021-04-17T00:45:22.681" v="4" actId="167"/>
+            <ac:picMkLst>
+              <pc:docMk/>
+              <pc:sldMasterMk cId="0" sldId="2147483660"/>
+              <pc:sldLayoutMk cId="0" sldId="2147483661"/>
+              <ac:picMk id="13" creationId="{78DBE3E1-95C8-4C04-8241-18BD4EB7B182}"/>
+            </ac:picMkLst>
+          </pc:picChg>
+        </pc:sldLayoutChg>
+      </pc:sldMasterChg>
+    </pc:docChg>
+  </pc:docChgLst>
 </pc:chgInfo>
 </file>
 
@@ -3730,7 +3936,7 @@
             <a:fld id="{3D973F8F-D885-4C24-9BD2-F2EC042D1C43}" type="datetimeFigureOut">
               <a:rPr lang="pt-BR" smtClean="0"/>
               <a:pPr/>
-              <a:t>08/11/2019</a:t>
+              <a:t>16/04/2021</a:t>
             </a:fld>
             <a:endParaRPr lang="pt-BR"/>
           </a:p>
@@ -5607,6 +5813,37 @@
           <a:chExt cx="0" cy="0"/>
         </a:xfrm>
       </p:grpSpPr>
+      <p:pic>
+        <p:nvPicPr>
+          <p:cNvPr id="13" name="Picture 3" descr="Rede de tecnologia iluminada em uma tela de fundo escura">
+            <a:extLst>
+              <a:ext uri="{FF2B5EF4-FFF2-40B4-BE49-F238E27FC236}">
+                <a16:creationId xmlns:a16="http://schemas.microsoft.com/office/drawing/2014/main" id="{78DBE3E1-95C8-4C04-8241-18BD4EB7B182}"/>
+              </a:ext>
+            </a:extLst>
+          </p:cNvPr>
+          <p:cNvPicPr>
+            <a:picLocks noChangeAspect="1"/>
+          </p:cNvPicPr>
+          <p:nvPr userDrawn="1"/>
+        </p:nvPicPr>
+        <p:blipFill rotWithShape="1">
+          <a:blip r:embed="rId2">
+            <a:alphaModFix amt="30000"/>
+          </a:blip>
+          <a:srcRect t="22329"/>
+          <a:stretch/>
+        </p:blipFill>
+        <p:spPr>
+          <a:xfrm flipH="1" flipV="1">
+            <a:off x="487680" y="0"/>
+            <a:ext cx="11704320" cy="6858000"/>
+          </a:xfrm>
+          <a:prstGeom prst="rect">
+            <a:avLst/>
+          </a:prstGeom>
+        </p:spPr>
+      </p:pic>
       <p:sp>
         <p:nvSpPr>
           <p:cNvPr id="28" name="Espaço Reservado para Data 27"/>
@@ -5625,7 +5862,7 @@
             <a:fld id="{24BD877F-BE43-4CF9-826F-16523B397976}" type="datetimeFigureOut">
               <a:rPr lang="pt-BR" smtClean="0"/>
               <a:pPr/>
-              <a:t>08/11/2019</a:t>
+              <a:t>16/04/2021</a:t>
             </a:fld>
             <a:endParaRPr lang="pt-BR"/>
           </a:p>
@@ -6180,7 +6417,7 @@
             <a:fld id="{24BD877F-BE43-4CF9-826F-16523B397976}" type="datetimeFigureOut">
               <a:rPr lang="pt-BR" smtClean="0"/>
               <a:pPr/>
-              <a:t>08/11/2019</a:t>
+              <a:t>16/04/2021</a:t>
             </a:fld>
             <a:endParaRPr lang="pt-BR"/>
           </a:p>
@@ -6357,7 +6594,7 @@
             <a:fld id="{24BD877F-BE43-4CF9-826F-16523B397976}" type="datetimeFigureOut">
               <a:rPr lang="pt-BR" smtClean="0"/>
               <a:pPr/>
-              <a:t>08/11/2019</a:t>
+              <a:t>16/04/2021</a:t>
             </a:fld>
             <a:endParaRPr lang="pt-BR"/>
           </a:p>
@@ -6524,7 +6761,7 @@
             <a:fld id="{24BD877F-BE43-4CF9-826F-16523B397976}" type="datetimeFigureOut">
               <a:rPr lang="pt-BR" smtClean="0"/>
               <a:pPr/>
-              <a:t>08/11/2019</a:t>
+              <a:t>16/04/2021</a:t>
             </a:fld>
             <a:endParaRPr lang="pt-BR"/>
           </a:p>
@@ -7973,7 +8210,7 @@
             <a:fld id="{24BD877F-BE43-4CF9-826F-16523B397976}" type="datetimeFigureOut">
               <a:rPr lang="pt-BR" smtClean="0"/>
               <a:pPr/>
-              <a:t>08/11/2019</a:t>
+              <a:t>16/04/2021</a:t>
             </a:fld>
             <a:endParaRPr lang="pt-BR"/>
           </a:p>
@@ -8555,7 +8792,7 @@
             <a:fld id="{24BD877F-BE43-4CF9-826F-16523B397976}" type="datetimeFigureOut">
               <a:rPr lang="pt-BR" smtClean="0"/>
               <a:pPr/>
-              <a:t>08/11/2019</a:t>
+              <a:t>16/04/2021</a:t>
             </a:fld>
             <a:endParaRPr lang="pt-BR"/>
           </a:p>
@@ -8986,7 +9223,7 @@
             <a:fld id="{24BD877F-BE43-4CF9-826F-16523B397976}" type="datetimeFigureOut">
               <a:rPr lang="pt-BR" smtClean="0"/>
               <a:pPr/>
-              <a:t>08/11/2019</a:t>
+              <a:t>16/04/2021</a:t>
             </a:fld>
             <a:endParaRPr lang="pt-BR"/>
           </a:p>
@@ -9525,7 +9762,7 @@
             <a:fld id="{24BD877F-BE43-4CF9-826F-16523B397976}" type="datetimeFigureOut">
               <a:rPr lang="pt-BR" smtClean="0"/>
               <a:pPr/>
-              <a:t>08/11/2019</a:t>
+              <a:t>16/04/2021</a:t>
             </a:fld>
             <a:endParaRPr lang="pt-BR"/>
           </a:p>
@@ -9617,7 +9854,7 @@
             <a:fld id="{24BD877F-BE43-4CF9-826F-16523B397976}" type="datetimeFigureOut">
               <a:rPr lang="pt-BR" smtClean="0"/>
               <a:pPr/>
-              <a:t>08/11/2019</a:t>
+              <a:t>16/04/2021</a:t>
             </a:fld>
             <a:endParaRPr lang="pt-BR"/>
           </a:p>
@@ -9867,7 +10104,7 @@
             <a:fld id="{24BD877F-BE43-4CF9-826F-16523B397976}" type="datetimeFigureOut">
               <a:rPr lang="pt-BR" smtClean="0"/>
               <a:pPr/>
-              <a:t>08/11/2019</a:t>
+              <a:t>16/04/2021</a:t>
             </a:fld>
             <a:endParaRPr lang="pt-BR"/>
           </a:p>
@@ -10582,7 +10819,7 @@
             <a:fld id="{24BD877F-BE43-4CF9-826F-16523B397976}" type="datetimeFigureOut">
               <a:rPr lang="pt-BR" smtClean="0"/>
               <a:pPr/>
-              <a:t>08/11/2019</a:t>
+              <a:t>16/04/2021</a:t>
             </a:fld>
             <a:endParaRPr lang="pt-BR"/>
           </a:p>
@@ -10653,9 +10890,23 @@
 <p:sldMaster xmlns:a="http://schemas.openxmlformats.org/drawingml/2006/main" xmlns:r="http://schemas.openxmlformats.org/officeDocument/2006/relationships" xmlns:p="http://schemas.openxmlformats.org/presentationml/2006/main">
   <p:cSld>
     <p:bg>
-      <p:bgRef idx="1002">
-        <a:schemeClr val="bg2"/>
-      </p:bgRef>
+      <p:bgPr>
+        <a:gradFill rotWithShape="1">
+          <a:gsLst>
+            <a:gs pos="50000">
+              <a:schemeClr val="bg1">
+                <a:shade val="90000"/>
+                <a:satMod val="375000"/>
+              </a:schemeClr>
+            </a:gs>
+            <a:gs pos="100000">
+              <a:srgbClr val="28415E"/>
+            </a:gs>
+          </a:gsLst>
+          <a:lin ang="5400000" scaled="0"/>
+        </a:gradFill>
+        <a:effectLst/>
+      </p:bgPr>
     </p:bg>
     <p:spTree>
       <p:nvGrpSpPr>
@@ -10849,7 +11100,7 @@
             <a:fld id="{24BD877F-BE43-4CF9-826F-16523B397976}" type="datetimeFigureOut">
               <a:rPr lang="pt-BR" smtClean="0"/>
               <a:pPr/>
-              <a:t>08/11/2019</a:t>
+              <a:t>16/04/2021</a:t>
             </a:fld>
             <a:endParaRPr lang="pt-BR"/>
           </a:p>
@@ -13422,7 +13673,26 @@
                   </a:schemeClr>
                 </a:solidFill>
               </a:rPr>
-              <a:t>organizar os dados na memória </a:t>
+              <a:t>organizar </a:t>
+            </a:r>
+            <a:br>
+              <a:rPr lang="pt-BR" dirty="0">
+                <a:solidFill>
+                  <a:schemeClr val="accent3">
+                    <a:lumMod val="75000"/>
+                  </a:schemeClr>
+                </a:solidFill>
+              </a:rPr>
+            </a:br>
+            <a:r>
+              <a:rPr lang="pt-BR" dirty="0">
+                <a:solidFill>
+                  <a:schemeClr val="accent3">
+                    <a:lumMod val="75000"/>
+                  </a:schemeClr>
+                </a:solidFill>
+              </a:rPr>
+              <a:t>os dados na memória </a:t>
             </a:r>
             <a:r>
               <a:rPr lang="pt-BR" dirty="0"/>
@@ -19470,6 +19740,48 @@
           </a:p>
         </p:txBody>
       </p:sp>
+      <p:sp>
+        <p:nvSpPr>
+          <p:cNvPr id="5" name="CaixaDeTexto 4">
+            <a:extLst>
+              <a:ext uri="{FF2B5EF4-FFF2-40B4-BE49-F238E27FC236}">
+                <a16:creationId xmlns:a16="http://schemas.microsoft.com/office/drawing/2014/main" id="{0395F3C7-4F6F-4494-BB87-963961241AE5}"/>
+              </a:ext>
+            </a:extLst>
+          </p:cNvPr>
+          <p:cNvSpPr txBox="1"/>
+          <p:nvPr/>
+        </p:nvSpPr>
+        <p:spPr>
+          <a:xfrm rot="16200000">
+            <a:off x="-714272" y="5774776"/>
+            <a:ext cx="1800200" cy="276999"/>
+          </a:xfrm>
+          <a:prstGeom prst="rect">
+            <a:avLst/>
+          </a:prstGeom>
+          <a:noFill/>
+        </p:spPr>
+        <p:txBody>
+          <a:bodyPr wrap="square" rtlCol="0">
+            <a:spAutoFit/>
+          </a:bodyPr>
+          <a:lstStyle/>
+          <a:p>
+            <a:r>
+              <a:rPr lang="pt-BR" sz="1200" dirty="0">
+                <a:solidFill>
+                  <a:schemeClr val="bg2">
+                    <a:lumMod val="50000"/>
+                  </a:schemeClr>
+                </a:solidFill>
+                <a:latin typeface="+mj-lt"/>
+              </a:rPr>
+              <a:t>// Endereco.cpp</a:t>
+            </a:r>
+          </a:p>
+        </p:txBody>
+      </p:sp>
     </p:spTree>
   </p:cSld>
   <p:clrMapOvr>
@@ -25056,6 +25368,48 @@
                 <a:latin typeface="+mj-lt"/>
               </a:rPr>
               <a:t>}</a:t>
+            </a:r>
+          </a:p>
+        </p:txBody>
+      </p:sp>
+      <p:sp>
+        <p:nvSpPr>
+          <p:cNvPr id="5" name="CaixaDeTexto 4">
+            <a:extLst>
+              <a:ext uri="{FF2B5EF4-FFF2-40B4-BE49-F238E27FC236}">
+                <a16:creationId xmlns:a16="http://schemas.microsoft.com/office/drawing/2014/main" id="{66AC8044-CDF0-4893-AC73-C99B0D05D728}"/>
+              </a:ext>
+            </a:extLst>
+          </p:cNvPr>
+          <p:cNvSpPr txBox="1"/>
+          <p:nvPr/>
+        </p:nvSpPr>
+        <p:spPr>
+          <a:xfrm rot="16200000">
+            <a:off x="-714272" y="5774776"/>
+            <a:ext cx="1800200" cy="276999"/>
+          </a:xfrm>
+          <a:prstGeom prst="rect">
+            <a:avLst/>
+          </a:prstGeom>
+          <a:noFill/>
+        </p:spPr>
+        <p:txBody>
+          <a:bodyPr wrap="square" rtlCol="0">
+            <a:spAutoFit/>
+          </a:bodyPr>
+          <a:lstStyle/>
+          <a:p>
+            <a:r>
+              <a:rPr lang="pt-BR" sz="1200" dirty="0">
+                <a:solidFill>
+                  <a:schemeClr val="bg2">
+                    <a:lumMod val="50000"/>
+                  </a:schemeClr>
+                </a:solidFill>
+                <a:latin typeface="+mj-lt"/>
+              </a:rPr>
+              <a:t>// Apontador.cpp</a:t>
             </a:r>
           </a:p>
         </p:txBody>
@@ -31308,6 +31662,15 @@
               </a:rPr>
               <a:t> </a:t>
             </a:r>
+            <a:br>
+              <a:rPr lang="pt-BR" dirty="0">
+                <a:solidFill>
+                  <a:schemeClr val="accent3">
+                    <a:lumMod val="75000"/>
+                  </a:schemeClr>
+                </a:solidFill>
+              </a:rPr>
+            </a:br>
             <a:r>
               <a:rPr lang="pt-BR" dirty="0"/>
               <a:t>o</a:t>
@@ -32100,6 +32463,48 @@
                 <a:latin typeface="+mj-lt"/>
               </a:rPr>
               <a:t>}</a:t>
+            </a:r>
+          </a:p>
+        </p:txBody>
+      </p:sp>
+      <p:sp>
+        <p:nvSpPr>
+          <p:cNvPr id="5" name="CaixaDeTexto 4">
+            <a:extLst>
+              <a:ext uri="{FF2B5EF4-FFF2-40B4-BE49-F238E27FC236}">
+                <a16:creationId xmlns:a16="http://schemas.microsoft.com/office/drawing/2014/main" id="{9F14CA33-906E-4418-A050-C8BA3F3F3913}"/>
+              </a:ext>
+            </a:extLst>
+          </p:cNvPr>
+          <p:cNvSpPr txBox="1"/>
+          <p:nvPr/>
+        </p:nvSpPr>
+        <p:spPr>
+          <a:xfrm rot="16200000">
+            <a:off x="-714272" y="5774776"/>
+            <a:ext cx="1800200" cy="276999"/>
+          </a:xfrm>
+          <a:prstGeom prst="rect">
+            <a:avLst/>
+          </a:prstGeom>
+          <a:noFill/>
+        </p:spPr>
+        <p:txBody>
+          <a:bodyPr wrap="square" rtlCol="0">
+            <a:spAutoFit/>
+          </a:bodyPr>
+          <a:lstStyle/>
+          <a:p>
+            <a:r>
+              <a:rPr lang="pt-BR" sz="1200" dirty="0">
+                <a:solidFill>
+                  <a:schemeClr val="bg2">
+                    <a:lumMod val="50000"/>
+                  </a:schemeClr>
+                </a:solidFill>
+                <a:latin typeface="+mj-lt"/>
+              </a:rPr>
+              <a:t>// Estrela.cpp</a:t>
             </a:r>
           </a:p>
         </p:txBody>
@@ -36457,6 +36862,59 @@
             <a:endParaRPr lang="pt-BR" sz="1400" dirty="0">
               <a:latin typeface="+mj-lt"/>
             </a:endParaRPr>
+          </a:p>
+        </p:txBody>
+      </p:sp>
+      <p:sp>
+        <p:nvSpPr>
+          <p:cNvPr id="4" name="CaixaDeTexto 3">
+            <a:extLst>
+              <a:ext uri="{FF2B5EF4-FFF2-40B4-BE49-F238E27FC236}">
+                <a16:creationId xmlns:a16="http://schemas.microsoft.com/office/drawing/2014/main" id="{D7CA75D0-2DBE-413D-BB71-FE1A88B15CE4}"/>
+              </a:ext>
+            </a:extLst>
+          </p:cNvPr>
+          <p:cNvSpPr txBox="1"/>
+          <p:nvPr/>
+        </p:nvSpPr>
+        <p:spPr>
+          <a:xfrm rot="16200000">
+            <a:off x="-714272" y="5774776"/>
+            <a:ext cx="1800200" cy="276999"/>
+          </a:xfrm>
+          <a:prstGeom prst="rect">
+            <a:avLst/>
+          </a:prstGeom>
+          <a:noFill/>
+        </p:spPr>
+        <p:txBody>
+          <a:bodyPr wrap="square" rtlCol="0">
+            <a:spAutoFit/>
+          </a:bodyPr>
+          <a:lstStyle/>
+          <a:p>
+            <a:r>
+              <a:rPr lang="pt-BR" sz="1200">
+                <a:solidFill>
+                  <a:schemeClr val="bg2">
+                    <a:lumMod val="50000"/>
+                  </a:schemeClr>
+                </a:solidFill>
+                <a:latin typeface="+mj-lt"/>
+              </a:rPr>
+              <a:t>// StringPtr.</a:t>
+            </a:r>
+            <a:r>
+              <a:rPr lang="pt-BR" sz="1200" dirty="0">
+                <a:solidFill>
+                  <a:schemeClr val="bg2">
+                    <a:lumMod val="50000"/>
+                  </a:schemeClr>
+                </a:solidFill>
+                <a:latin typeface="+mj-lt"/>
+              </a:rPr>
+              <a:t>cpp</a:t>
+            </a:r>
           </a:p>
         </p:txBody>
       </p:sp>
@@ -40408,8 +40866,8 @@
           </p:nvCxnSpPr>
           <p:spPr>
             <a:xfrm>
-              <a:off x="4871864" y="4437112"/>
-              <a:ext cx="504056" cy="223575"/>
+              <a:off x="5015880" y="4437112"/>
+              <a:ext cx="216025" cy="223575"/>
             </a:xfrm>
             <a:prstGeom prst="line">
               <a:avLst/>
@@ -40445,8 +40903,8 @@
           </p:nvCxnSpPr>
           <p:spPr>
             <a:xfrm flipH="1">
-              <a:off x="4871864" y="4437112"/>
-              <a:ext cx="486623" cy="223575"/>
+              <a:off x="5015880" y="4437112"/>
+              <a:ext cx="216025" cy="223575"/>
             </a:xfrm>
             <a:prstGeom prst="line">
               <a:avLst/>
@@ -41797,166 +42255,6 @@
       </p:grpSpPr>
       <p:sp>
         <p:nvSpPr>
-          <p:cNvPr id="21" name="Retângulo 20"/>
-          <p:cNvSpPr/>
-          <p:nvPr/>
-        </p:nvSpPr>
-        <p:spPr>
-          <a:xfrm>
-            <a:off x="4048047" y="3609440"/>
-            <a:ext cx="1071570" cy="214314"/>
-          </a:xfrm>
-          <a:prstGeom prst="rect">
-            <a:avLst/>
-          </a:prstGeom>
-          <a:solidFill>
-            <a:schemeClr val="accent3">
-              <a:lumMod val="75000"/>
-              <a:alpha val="30000"/>
-            </a:schemeClr>
-          </a:solidFill>
-          <a:ln>
-            <a:noFill/>
-          </a:ln>
-        </p:spPr>
-        <p:style>
-          <a:lnRef idx="2">
-            <a:schemeClr val="accent1">
-              <a:shade val="50000"/>
-            </a:schemeClr>
-          </a:lnRef>
-          <a:fillRef idx="1">
-            <a:schemeClr val="accent1"/>
-          </a:fillRef>
-          <a:effectRef idx="0">
-            <a:schemeClr val="accent1"/>
-          </a:effectRef>
-          <a:fontRef idx="minor">
-            <a:schemeClr val="lt1"/>
-          </a:fontRef>
-        </p:style>
-        <p:txBody>
-          <a:bodyPr rtlCol="0" anchor="ctr"/>
-          <a:lstStyle/>
-          <a:p>
-            <a:pPr algn="ctr"/>
-            <a:endParaRPr lang="pt-BR" sz="1200" dirty="0">
-              <a:latin typeface="+mj-lt"/>
-            </a:endParaRPr>
-          </a:p>
-        </p:txBody>
-      </p:sp>
-      <p:sp>
-        <p:nvSpPr>
-          <p:cNvPr id="28" name="Retângulo 27"/>
-          <p:cNvSpPr/>
-          <p:nvPr/>
-        </p:nvSpPr>
-        <p:spPr>
-          <a:xfrm>
-            <a:off x="4943872" y="5542919"/>
-            <a:ext cx="394482" cy="214314"/>
-          </a:xfrm>
-          <a:prstGeom prst="rect">
-            <a:avLst/>
-          </a:prstGeom>
-          <a:solidFill>
-            <a:schemeClr val="accent3">
-              <a:lumMod val="75000"/>
-              <a:alpha val="30000"/>
-            </a:schemeClr>
-          </a:solidFill>
-          <a:ln>
-            <a:noFill/>
-          </a:ln>
-        </p:spPr>
-        <p:style>
-          <a:lnRef idx="2">
-            <a:schemeClr val="accent1">
-              <a:shade val="50000"/>
-            </a:schemeClr>
-          </a:lnRef>
-          <a:fillRef idx="1">
-            <a:schemeClr val="accent1"/>
-          </a:fillRef>
-          <a:effectRef idx="0">
-            <a:schemeClr val="accent1"/>
-          </a:effectRef>
-          <a:fontRef idx="minor">
-            <a:schemeClr val="lt1"/>
-          </a:fontRef>
-        </p:style>
-        <p:txBody>
-          <a:bodyPr rtlCol="0" anchor="ctr"/>
-          <a:lstStyle/>
-          <a:p>
-            <a:pPr algn="ctr"/>
-            <a:endParaRPr lang="pt-BR" sz="1200" dirty="0">
-              <a:latin typeface="+mj-lt"/>
-            </a:endParaRPr>
-          </a:p>
-        </p:txBody>
-      </p:sp>
-      <p:sp>
-        <p:nvSpPr>
-          <p:cNvPr id="2" name="Título 1"/>
-          <p:cNvSpPr>
-            <a:spLocks noGrp="1"/>
-          </p:cNvSpPr>
-          <p:nvPr>
-            <p:ph type="title"/>
-          </p:nvPr>
-        </p:nvSpPr>
-        <p:spPr/>
-        <p:txBody>
-          <a:bodyPr/>
-          <a:lstStyle/>
-          <a:p>
-            <a:r>
-              <a:rPr lang="pt-BR" dirty="0"/>
-              <a:t>Motivação</a:t>
-            </a:r>
-          </a:p>
-        </p:txBody>
-      </p:sp>
-      <p:sp>
-        <p:nvSpPr>
-          <p:cNvPr id="3" name="Espaço Reservado para Conteúdo 2"/>
-          <p:cNvSpPr>
-            <a:spLocks noGrp="1"/>
-          </p:cNvSpPr>
-          <p:nvPr>
-            <p:ph idx="1"/>
-          </p:nvPr>
-        </p:nvSpPr>
-        <p:spPr/>
-        <p:txBody>
-          <a:bodyPr/>
-          <a:lstStyle/>
-          <a:p>
-            <a:r>
-              <a:rPr lang="pt-BR" dirty="0"/>
-              <a:t>Em C++, a </a:t>
-            </a:r>
-            <a:r>
-              <a:rPr lang="pt-BR" dirty="0">
-                <a:solidFill>
-                  <a:schemeClr val="accent3">
-                    <a:lumMod val="75000"/>
-                  </a:schemeClr>
-                </a:solidFill>
-              </a:rPr>
-              <a:t>passagem de argumentos </a:t>
-            </a:r>
-            <a:r>
-              <a:rPr lang="pt-BR" dirty="0"/>
-              <a:t>é feita por cópia</a:t>
-            </a:r>
-          </a:p>
-        </p:txBody>
-      </p:sp>
-      <p:sp>
-        <p:nvSpPr>
           <p:cNvPr id="4" name="CaixaDeTexto 3"/>
           <p:cNvSpPr txBox="1"/>
           <p:nvPr/>
@@ -42130,7 +42428,7 @@
               <a:rPr lang="pt-BR" sz="1600" dirty="0">
                 <a:latin typeface="+mj-lt"/>
               </a:rPr>
-              <a:t>(</a:t>
+              <a:t>( </a:t>
             </a:r>
             <a:r>
               <a:rPr lang="pt-BR" sz="1600" dirty="0" err="1">
@@ -42142,7 +42440,7 @@
               <a:rPr lang="pt-BR" sz="1600" dirty="0">
                 <a:latin typeface="+mj-lt"/>
               </a:rPr>
-              <a:t>);</a:t>
+              <a:t> );</a:t>
             </a:r>
           </a:p>
           <a:p>
@@ -42190,17 +42488,6 @@
             </a:endParaRPr>
           </a:p>
           <a:p>
-            <a:r>
-              <a:rPr lang="pt-BR" sz="1600" dirty="0" err="1">
-                <a:solidFill>
-                  <a:schemeClr val="accent3">
-                    <a:lumMod val="75000"/>
-                  </a:schemeClr>
-                </a:solidFill>
-                <a:latin typeface="+mj-lt"/>
-              </a:rPr>
-              <a:t>void</a:t>
-            </a:r>
             <a:r>
               <a:rPr lang="pt-BR" sz="1600" dirty="0">
                 <a:solidFill>
@@ -42210,7 +42497,7 @@
                 </a:solidFill>
                 <a:latin typeface="+mj-lt"/>
               </a:rPr>
-              <a:t> </a:t>
+              <a:t>void </a:t>
             </a:r>
             <a:r>
               <a:rPr lang="pt-BR" sz="1600" dirty="0" err="1">
@@ -42222,7 +42509,7 @@
               <a:rPr lang="pt-BR" sz="1600" dirty="0">
                 <a:latin typeface="+mj-lt"/>
               </a:rPr>
-              <a:t>(</a:t>
+              <a:t>( </a:t>
             </a:r>
             <a:r>
               <a:rPr lang="pt-BR" sz="1600" dirty="0">
@@ -42252,7 +42539,7 @@
               <a:rPr lang="pt-BR" sz="1600" dirty="0">
                 <a:latin typeface="+mj-lt"/>
               </a:rPr>
-              <a:t>)</a:t>
+              <a:t> )</a:t>
             </a:r>
           </a:p>
           <a:p>
@@ -42377,44 +42664,168 @@
           </a:p>
         </p:txBody>
       </p:sp>
-      <p:cxnSp>
-        <p:nvCxnSpPr>
-          <p:cNvPr id="31" name="Conector angulado 30"/>
-          <p:cNvCxnSpPr/>
+      <p:sp>
+        <p:nvSpPr>
+          <p:cNvPr id="3" name="Espaço Reservado para Conteúdo 2"/>
+          <p:cNvSpPr>
+            <a:spLocks noGrp="1"/>
+          </p:cNvSpPr>
+          <p:nvPr>
+            <p:ph idx="1"/>
+          </p:nvPr>
+        </p:nvSpPr>
+        <p:spPr/>
+        <p:txBody>
+          <a:bodyPr/>
+          <a:lstStyle/>
+          <a:p>
+            <a:r>
+              <a:rPr lang="pt-BR" dirty="0"/>
+              <a:t>Em C++, a </a:t>
+            </a:r>
+            <a:r>
+              <a:rPr lang="pt-BR" dirty="0">
+                <a:solidFill>
+                  <a:schemeClr val="accent3">
+                    <a:lumMod val="75000"/>
+                  </a:schemeClr>
+                </a:solidFill>
+              </a:rPr>
+              <a:t>passagem de argumentos </a:t>
+            </a:r>
+            <a:r>
+              <a:rPr lang="pt-BR" dirty="0"/>
+              <a:t>é feita por cópia</a:t>
+            </a:r>
+          </a:p>
+        </p:txBody>
+      </p:sp>
+      <p:sp>
+        <p:nvSpPr>
+          <p:cNvPr id="21" name="Retângulo: Cantos Arredondados 20"/>
+          <p:cNvSpPr/>
           <p:nvPr/>
-        </p:nvCxnSpPr>
+        </p:nvSpPr>
         <p:spPr>
-          <a:xfrm rot="16200000" flipH="1">
-            <a:off x="4223791" y="4437113"/>
-            <a:ext cx="1296148" cy="576066"/>
+          <a:xfrm>
+            <a:off x="4161928" y="3578431"/>
+            <a:ext cx="1071570" cy="239548"/>
           </a:xfrm>
-          <a:prstGeom prst="bentConnector3">
+          <a:prstGeom prst="roundRect">
             <a:avLst/>
           </a:prstGeom>
-          <a:ln w="19050">
+          <a:noFill/>
+          <a:ln w="9525" cap="flat" cmpd="sng" algn="ctr">
             <a:solidFill>
               <a:schemeClr val="accent3">
                 <a:lumMod val="75000"/>
               </a:schemeClr>
             </a:solidFill>
-            <a:tailEnd type="triangle"/>
+            <a:prstDash val="solid"/>
+            <a:round/>
+            <a:headEnd type="none" w="med" len="med"/>
+            <a:tailEnd type="none" w="med" len="med"/>
           </a:ln>
         </p:spPr>
         <p:style>
-          <a:lnRef idx="1">
-            <a:schemeClr val="accent1"/>
+          <a:lnRef idx="0">
+            <a:scrgbClr r="0" g="0" b="0"/>
           </a:lnRef>
           <a:fillRef idx="0">
-            <a:schemeClr val="accent1"/>
+            <a:scrgbClr r="0" g="0" b="0"/>
           </a:fillRef>
           <a:effectRef idx="0">
-            <a:schemeClr val="accent1"/>
+            <a:scrgbClr r="0" g="0" b="0"/>
           </a:effectRef>
           <a:fontRef idx="minor">
-            <a:schemeClr val="tx1"/>
+            <a:schemeClr val="accent3"/>
           </a:fontRef>
         </p:style>
-      </p:cxnSp>
+        <p:txBody>
+          <a:bodyPr rtlCol="0" anchor="ctr"/>
+          <a:lstStyle/>
+          <a:p>
+            <a:pPr algn="ctr"/>
+            <a:endParaRPr lang="pt-BR" sz="1200" dirty="0">
+              <a:latin typeface="+mj-lt"/>
+            </a:endParaRPr>
+          </a:p>
+        </p:txBody>
+      </p:sp>
+      <p:sp>
+        <p:nvSpPr>
+          <p:cNvPr id="28" name="Retângulo: Cantos Arredondados 27"/>
+          <p:cNvSpPr/>
+          <p:nvPr/>
+        </p:nvSpPr>
+        <p:spPr>
+          <a:xfrm>
+            <a:off x="5055460" y="5529106"/>
+            <a:ext cx="394482" cy="251875"/>
+          </a:xfrm>
+          <a:prstGeom prst="roundRect">
+            <a:avLst/>
+          </a:prstGeom>
+          <a:noFill/>
+          <a:ln w="9525" cap="flat" cmpd="sng" algn="ctr">
+            <a:solidFill>
+              <a:schemeClr val="accent3">
+                <a:lumMod val="75000"/>
+              </a:schemeClr>
+            </a:solidFill>
+            <a:prstDash val="solid"/>
+            <a:round/>
+            <a:headEnd type="none" w="med" len="med"/>
+            <a:tailEnd type="none" w="med" len="med"/>
+          </a:ln>
+        </p:spPr>
+        <p:style>
+          <a:lnRef idx="0">
+            <a:scrgbClr r="0" g="0" b="0"/>
+          </a:lnRef>
+          <a:fillRef idx="0">
+            <a:scrgbClr r="0" g="0" b="0"/>
+          </a:fillRef>
+          <a:effectRef idx="0">
+            <a:scrgbClr r="0" g="0" b="0"/>
+          </a:effectRef>
+          <a:fontRef idx="minor">
+            <a:schemeClr val="accent3"/>
+          </a:fontRef>
+        </p:style>
+        <p:txBody>
+          <a:bodyPr rtlCol="0" anchor="ctr"/>
+          <a:lstStyle/>
+          <a:p>
+            <a:pPr algn="ctr"/>
+            <a:endParaRPr lang="pt-BR" sz="1200" dirty="0">
+              <a:latin typeface="+mj-lt"/>
+            </a:endParaRPr>
+          </a:p>
+        </p:txBody>
+      </p:sp>
+      <p:sp>
+        <p:nvSpPr>
+          <p:cNvPr id="2" name="Título 1"/>
+          <p:cNvSpPr>
+            <a:spLocks noGrp="1"/>
+          </p:cNvSpPr>
+          <p:nvPr>
+            <p:ph type="title"/>
+          </p:nvPr>
+        </p:nvSpPr>
+        <p:spPr/>
+        <p:txBody>
+          <a:bodyPr/>
+          <a:lstStyle/>
+          <a:p>
+            <a:r>
+              <a:rPr lang="pt-BR" dirty="0"/>
+              <a:t>Motivação</a:t>
+            </a:r>
+          </a:p>
+        </p:txBody>
+      </p:sp>
       <p:sp>
         <p:nvSpPr>
           <p:cNvPr id="35" name="CaixaDeTexto 34"/>
@@ -42423,8 +42834,8 @@
         </p:nvSpPr>
         <p:spPr>
           <a:xfrm>
-            <a:off x="5162031" y="4331488"/>
-            <a:ext cx="2117887" cy="707886"/>
+            <a:off x="5241270" y="4335197"/>
+            <a:ext cx="1800493" cy="707886"/>
           </a:xfrm>
           <a:prstGeom prst="rect">
             <a:avLst/>
@@ -42437,7 +42848,6 @@
           </a:bodyPr>
           <a:lstStyle/>
           <a:p>
-            <a:pPr algn="ctr"/>
             <a:r>
               <a:rPr lang="pt-BR" sz="2000" dirty="0">
                 <a:solidFill>
@@ -42446,7 +42856,7 @@
                   </a:schemeClr>
                 </a:solidFill>
               </a:rPr>
-              <a:t>Cria uma cópia de </a:t>
+              <a:t>Cria uma cópia </a:t>
             </a:r>
             <a:br>
               <a:rPr lang="pt-BR" sz="2000" dirty="0">
@@ -42457,6 +42867,16 @@
                 </a:solidFill>
               </a:rPr>
             </a:br>
+            <a:r>
+              <a:rPr lang="pt-BR" sz="2000" dirty="0">
+                <a:solidFill>
+                  <a:schemeClr val="accent3">
+                    <a:lumMod val="75000"/>
+                  </a:schemeClr>
+                </a:solidFill>
+              </a:rPr>
+              <a:t>de </a:t>
+            </a:r>
             <a:r>
               <a:rPr lang="pt-BR" sz="2000" dirty="0" err="1">
                 <a:solidFill>
@@ -43426,6 +43846,58 @@
           </p:txBody>
         </p:sp>
       </p:grpSp>
+      <p:sp>
+        <p:nvSpPr>
+          <p:cNvPr id="6" name="Seta: para Baixo 5">
+            <a:extLst>
+              <a:ext uri="{FF2B5EF4-FFF2-40B4-BE49-F238E27FC236}">
+                <a16:creationId xmlns:a16="http://schemas.microsoft.com/office/drawing/2014/main" id="{29806649-C9FE-420E-ACDD-F2E9483F3FD7}"/>
+              </a:ext>
+            </a:extLst>
+          </p:cNvPr>
+          <p:cNvSpPr/>
+          <p:nvPr/>
+        </p:nvSpPr>
+        <p:spPr>
+          <a:xfrm>
+            <a:off x="5055557" y="4077072"/>
+            <a:ext cx="177941" cy="1224136"/>
+          </a:xfrm>
+          <a:prstGeom prst="downArrow">
+            <a:avLst/>
+          </a:prstGeom>
+          <a:solidFill>
+            <a:schemeClr val="accent3">
+              <a:alpha val="50000"/>
+            </a:schemeClr>
+          </a:solidFill>
+          <a:ln>
+            <a:noFill/>
+          </a:ln>
+        </p:spPr>
+        <p:style>
+          <a:lnRef idx="0">
+            <a:scrgbClr r="0" g="0" b="0"/>
+          </a:lnRef>
+          <a:fillRef idx="0">
+            <a:scrgbClr r="0" g="0" b="0"/>
+          </a:fillRef>
+          <a:effectRef idx="0">
+            <a:scrgbClr r="0" g="0" b="0"/>
+          </a:effectRef>
+          <a:fontRef idx="minor">
+            <a:schemeClr val="lt1"/>
+          </a:fontRef>
+        </p:style>
+        <p:txBody>
+          <a:bodyPr rtlCol="0" anchor="ctr"/>
+          <a:lstStyle/>
+          <a:p>
+            <a:pPr algn="ctr"/>
+            <a:endParaRPr lang="pt-BR"/>
+          </a:p>
+        </p:txBody>
+      </p:sp>
     </p:spTree>
     <p:extLst>
       <p:ext uri="{BB962C8B-B14F-4D97-AF65-F5344CB8AC3E}">
